--- a/ppt/1907057.pptx
+++ b/ppt/1907057.pptx
@@ -197,7 +197,7 @@
           <a:p>
             <a:fld id="{9DC3D9CF-81E4-4C39-8132-2B63B4C3AA55}" type="datetimeFigureOut">
               <a:rPr lang="en-US" smtClean="0"/>
-              <a:t>2/18/2024</a:t>
+              <a:t>7/23/2024</a:t>
             </a:fld>
             <a:endParaRPr lang="en-US"/>
           </a:p>
@@ -694,7 +694,7 @@
           <a:p>
             <a:fld id="{D1F9093B-E576-4DC0-B493-B6A4DB745F9A}" type="datetimeFigureOut">
               <a:rPr lang="en-US" smtClean="0"/>
-              <a:t>2/18/2024</a:t>
+              <a:t>7/23/2024</a:t>
             </a:fld>
             <a:endParaRPr lang="en-US"/>
           </a:p>
@@ -864,7 +864,7 @@
           <a:p>
             <a:fld id="{D1F9093B-E576-4DC0-B493-B6A4DB745F9A}" type="datetimeFigureOut">
               <a:rPr lang="en-US" smtClean="0"/>
-              <a:t>2/18/2024</a:t>
+              <a:t>7/23/2024</a:t>
             </a:fld>
             <a:endParaRPr lang="en-US"/>
           </a:p>
@@ -1044,7 +1044,7 @@
           <a:p>
             <a:fld id="{D1F9093B-E576-4DC0-B493-B6A4DB745F9A}" type="datetimeFigureOut">
               <a:rPr lang="en-US" smtClean="0"/>
-              <a:t>2/18/2024</a:t>
+              <a:t>7/23/2024</a:t>
             </a:fld>
             <a:endParaRPr lang="en-US"/>
           </a:p>
@@ -1214,7 +1214,7 @@
           <a:p>
             <a:fld id="{D1F9093B-E576-4DC0-B493-B6A4DB745F9A}" type="datetimeFigureOut">
               <a:rPr lang="en-US" smtClean="0"/>
-              <a:t>2/18/2024</a:t>
+              <a:t>7/23/2024</a:t>
             </a:fld>
             <a:endParaRPr lang="en-US"/>
           </a:p>
@@ -1458,7 +1458,7 @@
           <a:p>
             <a:fld id="{D1F9093B-E576-4DC0-B493-B6A4DB745F9A}" type="datetimeFigureOut">
               <a:rPr lang="en-US" smtClean="0"/>
-              <a:t>2/18/2024</a:t>
+              <a:t>7/23/2024</a:t>
             </a:fld>
             <a:endParaRPr lang="en-US"/>
           </a:p>
@@ -1690,7 +1690,7 @@
           <a:p>
             <a:fld id="{D1F9093B-E576-4DC0-B493-B6A4DB745F9A}" type="datetimeFigureOut">
               <a:rPr lang="en-US" smtClean="0"/>
-              <a:t>2/18/2024</a:t>
+              <a:t>7/23/2024</a:t>
             </a:fld>
             <a:endParaRPr lang="en-US"/>
           </a:p>
@@ -2057,7 +2057,7 @@
           <a:p>
             <a:fld id="{D1F9093B-E576-4DC0-B493-B6A4DB745F9A}" type="datetimeFigureOut">
               <a:rPr lang="en-US" smtClean="0"/>
-              <a:t>2/18/2024</a:t>
+              <a:t>7/23/2024</a:t>
             </a:fld>
             <a:endParaRPr lang="en-US"/>
           </a:p>
@@ -2175,7 +2175,7 @@
           <a:p>
             <a:fld id="{D1F9093B-E576-4DC0-B493-B6A4DB745F9A}" type="datetimeFigureOut">
               <a:rPr lang="en-US" smtClean="0"/>
-              <a:t>2/18/2024</a:t>
+              <a:t>7/23/2024</a:t>
             </a:fld>
             <a:endParaRPr lang="en-US"/>
           </a:p>
@@ -2270,7 +2270,7 @@
           <a:p>
             <a:fld id="{D1F9093B-E576-4DC0-B493-B6A4DB745F9A}" type="datetimeFigureOut">
               <a:rPr lang="en-US" smtClean="0"/>
-              <a:t>2/18/2024</a:t>
+              <a:t>7/23/2024</a:t>
             </a:fld>
             <a:endParaRPr lang="en-US"/>
           </a:p>
@@ -2547,7 +2547,7 @@
           <a:p>
             <a:fld id="{D1F9093B-E576-4DC0-B493-B6A4DB745F9A}" type="datetimeFigureOut">
               <a:rPr lang="en-US" smtClean="0"/>
-              <a:t>2/18/2024</a:t>
+              <a:t>7/23/2024</a:t>
             </a:fld>
             <a:endParaRPr lang="en-US"/>
           </a:p>
@@ -2804,7 +2804,7 @@
           <a:p>
             <a:fld id="{D1F9093B-E576-4DC0-B493-B6A4DB745F9A}" type="datetimeFigureOut">
               <a:rPr lang="en-US" smtClean="0"/>
-              <a:t>2/18/2024</a:t>
+              <a:t>7/23/2024</a:t>
             </a:fld>
             <a:endParaRPr lang="en-US"/>
           </a:p>
@@ -3017,7 +3017,7 @@
           <a:p>
             <a:fld id="{D1F9093B-E576-4DC0-B493-B6A4DB745F9A}" type="datetimeFigureOut">
               <a:rPr lang="en-US" smtClean="0"/>
-              <a:t>2/18/2024</a:t>
+              <a:t>7/23/2024</a:t>
             </a:fld>
             <a:endParaRPr lang="en-US"/>
           </a:p>
@@ -3607,14 +3607,14 @@
           </a:ln>
           <a:extLst>
             <a:ext uri="{909E8E84-426E-40dd-AFC4-6F175D3DCCD1}">
-              <a14:hiddenFill xmlns="" xmlns:a14="http://schemas.microsoft.com/office/drawing/2010/main">
+              <a14:hiddenFill xmlns:a14="http://schemas.microsoft.com/office/drawing/2010/main" xmlns="">
                 <a:solidFill>
                   <a:srgbClr val="FFFFFF"/>
                 </a:solidFill>
               </a14:hiddenFill>
             </a:ext>
             <a:ext uri="{91240B29-F687-4f45-9708-019B960494DF}">
-              <a14:hiddenLine xmlns="" xmlns:a14="http://schemas.microsoft.com/office/drawing/2010/main" w="6350">
+              <a14:hiddenLine xmlns:a14="http://schemas.microsoft.com/office/drawing/2010/main" xmlns="" w="6350">
                 <a:solidFill>
                   <a:srgbClr val="000000"/>
                 </a:solidFill>
@@ -5540,102 +5540,6 @@
       </p:grpSp>
       <p:grpSp>
         <p:nvGrpSpPr>
-          <p:cNvPr id="19" name="Group 18"/>
-          <p:cNvGrpSpPr/>
-          <p:nvPr/>
-        </p:nvGrpSpPr>
-        <p:grpSpPr>
-          <a:xfrm>
-            <a:off x="457333" y="249342"/>
-            <a:ext cx="2278991" cy="2278991"/>
-            <a:chOff x="598586" y="208101"/>
-            <a:chExt cx="2278991" cy="2278991"/>
-          </a:xfrm>
-        </p:grpSpPr>
-        <p:sp>
-          <p:nvSpPr>
-            <p:cNvPr id="9" name="Rectangle 8">
-              <a:extLst>
-                <a:ext uri="{FF2B5EF4-FFF2-40B4-BE49-F238E27FC236}">
-                  <a16:creationId xmlns:a16="http://schemas.microsoft.com/office/drawing/2014/main" id="{B6792DA8-A715-00E4-96F2-F343935E6774}"/>
-                </a:ext>
-              </a:extLst>
-            </p:cNvPr>
-            <p:cNvSpPr/>
-            <p:nvPr/>
-          </p:nvSpPr>
-          <p:spPr>
-            <a:xfrm>
-              <a:off x="598586" y="208101"/>
-              <a:ext cx="2278991" cy="2278991"/>
-            </a:xfrm>
-            <a:prstGeom prst="rect">
-              <a:avLst/>
-            </a:prstGeom>
-            <a:solidFill>
-              <a:srgbClr val="4F3E54"/>
-            </a:solidFill>
-            <a:ln>
-              <a:noFill/>
-            </a:ln>
-            <a:effectLst/>
-          </p:spPr>
-          <p:style>
-            <a:lnRef idx="1">
-              <a:schemeClr val="accent1"/>
-            </a:lnRef>
-            <a:fillRef idx="3">
-              <a:schemeClr val="accent1"/>
-            </a:fillRef>
-            <a:effectRef idx="2">
-              <a:schemeClr val="accent1"/>
-            </a:effectRef>
-            <a:fontRef idx="minor">
-              <a:schemeClr val="lt1"/>
-            </a:fontRef>
-          </p:style>
-          <p:txBody>
-            <a:bodyPr rtlCol="0" anchor="ctr"/>
-            <a:lstStyle/>
-            <a:p>
-              <a:pPr algn="ctr"/>
-              <a:endParaRPr lang="fr-FR" sz="2114"/>
-            </a:p>
-          </p:txBody>
-        </p:sp>
-        <p:pic>
-          <p:nvPicPr>
-            <p:cNvPr id="29" name="Picture 28"/>
-            <p:cNvPicPr>
-              <a:picLocks noChangeAspect="1"/>
-            </p:cNvPicPr>
-            <p:nvPr/>
-          </p:nvPicPr>
-          <p:blipFill>
-            <a:blip r:embed="rId3" cstate="print">
-              <a:extLst>
-                <a:ext uri="{28A0092B-C50C-407E-A947-70E740481C1C}">
-                  <a14:useLocalDpi xmlns:a14="http://schemas.microsoft.com/office/drawing/2010/main" val="0"/>
-                </a:ext>
-              </a:extLst>
-            </a:blip>
-            <a:stretch>
-              <a:fillRect/>
-            </a:stretch>
-          </p:blipFill>
-          <p:spPr>
-            <a:xfrm>
-              <a:off x="933935" y="580722"/>
-              <a:ext cx="1500040" cy="1500040"/>
-            </a:xfrm>
-            <a:prstGeom prst="ellipse">
-              <a:avLst/>
-            </a:prstGeom>
-          </p:spPr>
-        </p:pic>
-      </p:grpSp>
-      <p:grpSp>
-        <p:nvGrpSpPr>
           <p:cNvPr id="36" name="Group 35"/>
           <p:cNvGrpSpPr/>
           <p:nvPr/>
